--- a/TP Minería/Sistema de Información Geográfica V3.1.pptx
+++ b/TP Minería/Sistema de Información Geográfica V3.1.pptx
@@ -931,15 +931,7 @@
             </a:pPr>
             <a:r>
               <a:rPr lang="es-AR" dirty="0" smtClean="0"/>
-              <a:t>Para concluir podemos decir que los SIG constituyen una importante herramienta de información tecnológica. Se caracterizan por integrar el conocimiento geográfico desde múltiples fuentes y procesar los datos, con la finalidad de colaborar y servir de apoyo a decisiones referenciadas espacialmente</a:t>
-            </a:r>
-            <a:r>
-              <a:rPr lang="es-AR" dirty="0" smtClean="0"/>
-              <a:t>.</a:t>
-            </a:r>
-            <a:r>
-              <a:rPr lang="es-AR" dirty="0" smtClean="0"/>
-              <a:t> </a:t>
+              <a:t>Para concluir podemos decir que los SIG constituyen una importante herramienta de información tecnológica. Se caracterizan por integrar el conocimiento geográfico desde múltiples fuentes y procesar los datos, con la finalidad de colaborar y servir de apoyo a decisiones referenciadas espacialmente. </a:t>
             </a:r>
           </a:p>
           <a:p>
@@ -1587,7 +1579,6 @@
               <a:rPr lang="es-AR" dirty="0" smtClean="0"/>
               <a:t>Videos</a:t>
             </a:r>
-            <a:endParaRPr lang="es-AR" dirty="0" smtClean="0"/>
           </a:p>
         </p:txBody>
       </p:sp>
@@ -1986,15 +1977,7 @@
             </a:pPr>
             <a:r>
               <a:rPr lang="es-AR" dirty="0" smtClean="0"/>
-              <a:t>Voy </a:t>
-            </a:r>
-            <a:r>
-              <a:rPr lang="es-AR" dirty="0" smtClean="0"/>
-              <a:t>a dar algunos ejemplos en dónde se aplican técnicas de minería de datos a los SIG</a:t>
-            </a:r>
-            <a:r>
-              <a:rPr lang="es-AR" dirty="0" smtClean="0"/>
-              <a:t>.</a:t>
+              <a:t>Voy a dar algunos ejemplos en dónde se aplican técnicas de minería de datos a los SIG.</a:t>
             </a:r>
           </a:p>
           <a:p>
@@ -2021,27 +2004,7 @@
             </a:pPr>
             <a:r>
               <a:rPr lang="es-AR" dirty="0" smtClean="0"/>
-              <a:t>Supongamos que uno se quiere mudar y antes de elegir un nuevo barrio primero quiere saber cuán alto es el nivel de robos en el mismo. Para ayudarnos con esta </a:t>
-            </a:r>
-            <a:r>
-              <a:rPr lang="es-AR" dirty="0" smtClean="0"/>
-              <a:t>decisión podemos </a:t>
-            </a:r>
-            <a:r>
-              <a:rPr lang="es-AR" dirty="0" smtClean="0"/>
-              <a:t>aplicar la técnica de </a:t>
-            </a:r>
-            <a:r>
-              <a:rPr lang="es-AR" dirty="0" smtClean="0"/>
-              <a:t>agrupamiento al SIG. </a:t>
-            </a:r>
-            <a:r>
-              <a:rPr lang="es-AR" dirty="0" smtClean="0"/>
-              <a:t>La misma consiste en agrupar los miembros de un grupo de forma tal que los elementos que lo conforman sean similares de acuerdo alguna métrica. La métrica en nuestro caso sería </a:t>
-            </a:r>
-            <a:r>
-              <a:rPr lang="es-AR" dirty="0" smtClean="0"/>
-              <a:t>la</a:t>
+              <a:t>Supongamos que uno se quiere mudar y antes de elegir un nuevo barrio primero quiere saber cuán alto es el nivel de robos en el mismo. Para ayudarnos con esta decisión podemos aplicar la técnica de agrupamiento al SIG. La misma consiste en agrupar los miembros de un grupo de forma tal que los elementos que lo conforman sean similares de acuerdo alguna métrica. La métrica en nuestro caso sería la</a:t>
             </a:r>
             <a:r>
               <a:rPr lang="es-AR" baseline="0" dirty="0" smtClean="0"/>
@@ -2049,19 +2012,7 @@
             </a:r>
             <a:r>
               <a:rPr lang="es-AR" dirty="0" smtClean="0"/>
-              <a:t>de </a:t>
-            </a:r>
-            <a:r>
-              <a:rPr lang="es-AR" dirty="0" smtClean="0"/>
-              <a:t>robos. Aquellas zonas donde el nivel es alto se denominan zonas calientes y sería apropiado evitar elegir una </a:t>
-            </a:r>
-            <a:r>
-              <a:rPr lang="es-AR" dirty="0" smtClean="0"/>
-              <a:t>casa </a:t>
-            </a:r>
-            <a:r>
-              <a:rPr lang="es-AR" dirty="0" smtClean="0"/>
-              <a:t>que se encuentre ubicado en esa zona.</a:t>
+              <a:t>de robos. Aquellas zonas donde el nivel es alto se denominan zonas calientes y sería apropiado evitar elegir una casa que se encuentre ubicado en esa zona.</a:t>
             </a:r>
           </a:p>
         </p:txBody>
@@ -2369,11 +2320,7 @@
             </a:r>
             <a:r>
               <a:rPr lang="es-ES" dirty="0" smtClean="0"/>
-              <a:t> que facilita las tareas de regulación del uso de los recursos forestales del Estado de Tamaulipas, en un ambiente geográfico </a:t>
-            </a:r>
-            <a:r>
-              <a:rPr lang="es-ES" dirty="0" smtClean="0"/>
-              <a:t>y</a:t>
+              <a:t> que facilita las tareas de regulación del uso de los recursos forestales del Estado de Tamaulipas, en un ambiente geográfico y</a:t>
             </a:r>
             <a:r>
               <a:rPr lang="es-ES" baseline="0" dirty="0" smtClean="0"/>
@@ -2381,11 +2328,7 @@
             </a:r>
             <a:r>
               <a:rPr lang="es-ES" dirty="0" smtClean="0"/>
-              <a:t>permita </a:t>
-            </a:r>
-            <a:r>
-              <a:rPr lang="es-ES" dirty="0" smtClean="0"/>
-              <a:t>su integración con otras capas de información </a:t>
+              <a:t>permita su integración con otras capas de información </a:t>
             </a:r>
             <a:r>
               <a:rPr lang="es-ES" dirty="0" err="1" smtClean="0"/>
@@ -2404,15 +2347,7 @@
             </a:pPr>
             <a:r>
               <a:rPr lang="es-ES" dirty="0" smtClean="0"/>
-              <a:t>El cuadro muestra el porcentaje de cobertura de vegetación en los años 2000-2001 respecto a la vegetación de los años setenta. </a:t>
-            </a:r>
-            <a:r>
-              <a:rPr lang="es-ES" dirty="0" smtClean="0"/>
-              <a:t>Esta </a:t>
-            </a:r>
-            <a:r>
-              <a:rPr lang="es-ES" dirty="0" smtClean="0"/>
-              <a:t>información sirve por ejemplo para obtener de la tasa de deforestación en un periodo de observación de más de 30 años mediante la información generada en las etapas anteriores, modelando las tendencias futuras en los cambios de uso del suelo.</a:t>
+              <a:t>El cuadro muestra el porcentaje de cobertura de vegetación en los años 2000-2001 respecto a la vegetación de los años setenta. Esta información sirve por ejemplo para obtener de la tasa de deforestación en un periodo de observación de más de 30 años mediante la información generada en las etapas anteriores, modelando las tendencias futuras en los cambios de uso del suelo.</a:t>
             </a:r>
             <a:endParaRPr lang="es-AR" dirty="0" smtClean="0"/>
           </a:p>
@@ -7515,9 +7450,22 @@
               </a:lnSpc>
             </a:pPr>
             <a:r>
-              <a:rPr lang="es-AR" sz="2800" smtClean="0"/>
-              <a:t>					Magalí Miniello</a:t>
-            </a:r>
+              <a:rPr lang="es-AR" sz="2800" dirty="0" smtClean="0"/>
+              <a:t>					</a:t>
+            </a:r>
+            <a:r>
+              <a:rPr lang="es-AR" sz="2800" dirty="0" err="1" smtClean="0"/>
+              <a:t>Magalí</a:t>
+            </a:r>
+            <a:r>
+              <a:rPr lang="es-AR" sz="2800" dirty="0" smtClean="0"/>
+              <a:t> </a:t>
+            </a:r>
+            <a:r>
+              <a:rPr lang="es-AR" sz="2800" dirty="0" err="1" smtClean="0"/>
+              <a:t>Miniello</a:t>
+            </a:r>
+            <a:endParaRPr lang="es-AR" sz="2800" dirty="0" smtClean="0"/>
           </a:p>
           <a:p>
             <a:pPr marR="0" algn="l">
@@ -7526,7 +7474,7 @@
               </a:lnSpc>
             </a:pPr>
             <a:r>
-              <a:rPr lang="es-AR" sz="2800" smtClean="0"/>
+              <a:rPr lang="es-AR" sz="2800" dirty="0" smtClean="0"/>
               <a:t>					Nicolás Pons</a:t>
             </a:r>
           </a:p>
@@ -7537,7 +7485,7 @@
               </a:lnSpc>
             </a:pPr>
             <a:r>
-              <a:rPr lang="es-AR" sz="2800" smtClean="0"/>
+              <a:rPr lang="es-AR" sz="2800" dirty="0" smtClean="0"/>
               <a:t>					María Belén Romero</a:t>
             </a:r>
           </a:p>
@@ -7598,7 +7546,13 @@
             <a:headEnd/>
             <a:tailEnd/>
           </a:ln>
-          <a:effectLst/>
+          <a:effectLst>
+            <a:outerShdw blurRad="50800" dist="38100" dir="2700000" algn="tl" rotWithShape="0">
+              <a:prstClr val="black">
+                <a:alpha val="40000"/>
+              </a:prstClr>
+            </a:outerShdw>
+          </a:effectLst>
         </p:spPr>
         <p:txBody>
           <a:bodyPr>
@@ -7612,13 +7566,13 @@
               </a:spcBef>
             </a:pPr>
             <a:r>
-              <a:rPr lang="es-ES" sz="3600" b="1">
+              <a:rPr lang="es-ES" sz="3600" b="1" dirty="0">
                 <a:latin typeface="Lucida Sans Unicode" pitchFamily="34" charset="0"/>
               </a:rPr>
               <a:t>Sistemas de Información </a:t>
             </a:r>
             <a:r>
-              <a:rPr lang="es-ES" sz="3800" b="1">
+              <a:rPr lang="es-ES" sz="3800" b="1" dirty="0">
                 <a:latin typeface="Lucida Sans Unicode" pitchFamily="34" charset="0"/>
               </a:rPr>
               <a:t>Geográfico</a:t>
@@ -7714,7 +7668,7 @@
           <p:nvPr/>
         </p:nvPicPr>
         <p:blipFill>
-          <a:blip r:embed="rId3"/>
+          <a:blip r:embed="rId3" cstate="print"/>
           <a:srcRect/>
           <a:stretch>
             <a:fillRect/>
@@ -7746,7 +7700,7 @@
           <p:nvPr/>
         </p:nvPicPr>
         <p:blipFill>
-          <a:blip r:embed="rId4"/>
+          <a:blip r:embed="rId4" cstate="print"/>
           <a:srcRect/>
           <a:stretch>
             <a:fillRect/>
@@ -7778,7 +7732,7 @@
           <p:nvPr/>
         </p:nvPicPr>
         <p:blipFill>
-          <a:blip r:embed="rId5"/>
+          <a:blip r:embed="rId5" cstate="print"/>
           <a:srcRect/>
           <a:stretch>
             <a:fillRect/>
@@ -7983,7 +7937,7 @@
           </p:nvPr>
         </p:nvPicPr>
         <p:blipFill>
-          <a:blip r:embed="rId3"/>
+          <a:blip r:embed="rId3" cstate="print"/>
           <a:srcRect/>
           <a:stretch>
             <a:fillRect/>
@@ -8005,7 +7959,7 @@
           <p:nvPr/>
         </p:nvPicPr>
         <p:blipFill>
-          <a:blip r:embed="rId4"/>
+          <a:blip r:embed="rId4" cstate="print"/>
           <a:srcRect/>
           <a:stretch>
             <a:fillRect/>
@@ -8037,7 +7991,7 @@
           <p:nvPr/>
         </p:nvPicPr>
         <p:blipFill>
-          <a:blip r:embed="rId5"/>
+          <a:blip r:embed="rId5" cstate="print"/>
           <a:srcRect/>
           <a:stretch>
             <a:fillRect/>
@@ -8069,7 +8023,7 @@
           <p:nvPr/>
         </p:nvPicPr>
         <p:blipFill>
-          <a:blip r:embed="rId6"/>
+          <a:blip r:embed="rId6" cstate="print"/>
           <a:srcRect/>
           <a:stretch>
             <a:fillRect/>
@@ -8555,7 +8509,7 @@
           </p:nvPr>
         </p:nvPicPr>
         <p:blipFill>
-          <a:blip r:embed="rId3"/>
+          <a:blip r:embed="rId3" cstate="print"/>
           <a:srcRect/>
           <a:stretch>
             <a:fillRect/>
@@ -8577,7 +8531,7 @@
           <p:nvPr/>
         </p:nvPicPr>
         <p:blipFill>
-          <a:blip r:embed="rId4"/>
+          <a:blip r:embed="rId4" cstate="print"/>
           <a:srcRect/>
           <a:stretch>
             <a:fillRect/>
@@ -8872,7 +8826,7 @@
           <p:nvPr/>
         </p:nvPicPr>
         <p:blipFill>
-          <a:blip r:embed="rId3"/>
+          <a:blip r:embed="rId3" cstate="print"/>
           <a:srcRect/>
           <a:stretch>
             <a:fillRect/>
@@ -8905,7 +8859,7 @@
           <p:nvPr/>
         </p:nvPicPr>
         <p:blipFill>
-          <a:blip r:embed="rId4"/>
+          <a:blip r:embed="rId4" cstate="print"/>
           <a:srcRect/>
           <a:stretch>
             <a:fillRect/>
@@ -8931,7 +8885,7 @@
           <p:nvPr/>
         </p:nvPicPr>
         <p:blipFill>
-          <a:blip r:embed="rId5"/>
+          <a:blip r:embed="rId5" cstate="print"/>
           <a:srcRect/>
           <a:stretch>
             <a:fillRect/>
@@ -9188,7 +9142,7 @@
           <p:nvPr/>
         </p:nvPicPr>
         <p:blipFill>
-          <a:blip r:embed="rId3"/>
+          <a:blip r:embed="rId3" cstate="print"/>
           <a:srcRect/>
           <a:stretch>
             <a:fillRect/>
@@ -9220,7 +9174,7 @@
           <p:nvPr/>
         </p:nvPicPr>
         <p:blipFill>
-          <a:blip r:embed="rId4"/>
+          <a:blip r:embed="rId4" cstate="print"/>
           <a:srcRect/>
           <a:stretch>
             <a:fillRect/>
@@ -9252,7 +9206,7 @@
           <p:nvPr/>
         </p:nvPicPr>
         <p:blipFill>
-          <a:blip r:embed="rId5"/>
+          <a:blip r:embed="rId5" cstate="print"/>
           <a:srcRect/>
           <a:stretch>
             <a:fillRect/>
@@ -9284,7 +9238,7 @@
           <p:nvPr/>
         </p:nvPicPr>
         <p:blipFill>
-          <a:blip r:embed="rId6"/>
+          <a:blip r:embed="rId6" cstate="print"/>
           <a:srcRect/>
           <a:stretch>
             <a:fillRect/>
@@ -9316,7 +9270,7 @@
           <p:nvPr/>
         </p:nvPicPr>
         <p:blipFill>
-          <a:blip r:embed="rId7"/>
+          <a:blip r:embed="rId7" cstate="print"/>
           <a:srcRect/>
           <a:stretch>
             <a:fillRect/>
@@ -9348,7 +9302,7 @@
           <p:nvPr/>
         </p:nvPicPr>
         <p:blipFill>
-          <a:blip r:embed="rId8"/>
+          <a:blip r:embed="rId8" cstate="print"/>
           <a:srcRect/>
           <a:stretch>
             <a:fillRect/>
@@ -9380,7 +9334,7 @@
           <p:nvPr/>
         </p:nvPicPr>
         <p:blipFill>
-          <a:blip r:embed="rId9"/>
+          <a:blip r:embed="rId9" cstate="print"/>
           <a:srcRect/>
           <a:stretch>
             <a:fillRect/>
@@ -9412,7 +9366,7 @@
           <p:nvPr/>
         </p:nvPicPr>
         <p:blipFill>
-          <a:blip r:embed="rId10"/>
+          <a:blip r:embed="rId10" cstate="print"/>
           <a:srcRect/>
           <a:stretch>
             <a:fillRect/>
@@ -9512,7 +9466,7 @@
           </p:nvPr>
         </p:nvPicPr>
         <p:blipFill>
-          <a:blip r:embed="rId3"/>
+          <a:blip r:embed="rId3" cstate="print"/>
           <a:srcRect/>
           <a:stretch>
             <a:fillRect/>
@@ -9645,7 +9599,7 @@
           <p:nvPr/>
         </p:nvPicPr>
         <p:blipFill>
-          <a:blip r:embed="rId3"/>
+          <a:blip r:embed="rId3" cstate="print"/>
           <a:srcRect/>
           <a:stretch>
             <a:fillRect/>
